--- a/ppt/Lecture2_wk4Semester_mapping.pptx
+++ b/ppt/Lecture2_wk4Semester_mapping.pptx
@@ -2667,25 +2667,7 @@
           <a:p>
             <a:r>
               <a:rPr lang="en-US" dirty="0"/>
-              <a:t>Highlight genotype and environment interactions</a:t>
-            </a:r>
-          </a:p>
-          <a:p>
-            <a:endParaRPr lang="en-US" dirty="0"/>
-          </a:p>
-          <a:p>
-            <a:r>
-              <a:rPr lang="en-US" dirty="0"/>
-              <a:t>http://www2.bio.ulaval.ca/louisbernatchez/pdf/(417)%20Xuereb_Molecular_Ecology_2018.pdf</a:t>
-            </a:r>
-          </a:p>
-          <a:p>
-            <a:endParaRPr lang="en-US" dirty="0"/>
-          </a:p>
-          <a:p>
-            <a:r>
-              <a:rPr lang="en-US" dirty="0"/>
-              <a:t>https://pubmed.ncbi.nlm.nih.gov/29654703/</a:t>
+              <a:t>Now we will be starting with actual NGS data from this paper- which we have pruned down so that we get fast run times </a:t>
             </a:r>
           </a:p>
         </p:txBody>
@@ -3401,7 +3383,87 @@
             </a:pPr>
             <a:r>
               <a:rPr lang="en-US" dirty="0"/>
-              <a:t>Human genome 1990-2003</a:t>
+              <a:t>Ref genome / </a:t>
+            </a:r>
+            <a:r>
+              <a:rPr lang="en-ZA" sz="1200" b="1" i="0" u="none" strike="noStrike" cap="none" dirty="0">
+                <a:solidFill>
+                  <a:schemeClr val="dk1"/>
+                </a:solidFill>
+                <a:effectLst/>
+                <a:latin typeface="Calibri"/>
+                <a:ea typeface="Calibri"/>
+                <a:cs typeface="Calibri"/>
+                <a:sym typeface="Calibri"/>
+              </a:rPr>
+              <a:t>reference assembly = </a:t>
+            </a:r>
+            <a:r>
+              <a:rPr lang="en-ZA" sz="1200" b="0" i="0" u="none" strike="noStrike" cap="none" dirty="0">
+                <a:solidFill>
+                  <a:schemeClr val="dk1"/>
+                </a:solidFill>
+                <a:effectLst/>
+                <a:latin typeface="Calibri"/>
+                <a:ea typeface="Calibri"/>
+                <a:cs typeface="Calibri"/>
+                <a:sym typeface="Calibri"/>
+              </a:rPr>
+              <a:t>a digital </a:t>
+            </a:r>
+            <a:r>
+              <a:rPr lang="en-ZA" sz="1200" b="0" i="0" u="none" strike="noStrike" cap="none" dirty="0">
+                <a:solidFill>
+                  <a:schemeClr val="dk1"/>
+                </a:solidFill>
+                <a:effectLst/>
+                <a:latin typeface="Calibri"/>
+                <a:ea typeface="Calibri"/>
+                <a:cs typeface="Calibri"/>
+                <a:sym typeface="Calibri"/>
+                <a:hlinkClick r:id="rId3" tooltip="Nucleic acid sequence"/>
+              </a:rPr>
+              <a:t>nucleic acid sequence</a:t>
+            </a:r>
+            <a:r>
+              <a:rPr lang="en-ZA" sz="1200" b="0" i="0" u="none" strike="noStrike" cap="none" dirty="0">
+                <a:solidFill>
+                  <a:schemeClr val="dk1"/>
+                </a:solidFill>
+                <a:effectLst/>
+                <a:latin typeface="Calibri"/>
+                <a:ea typeface="Calibri"/>
+                <a:cs typeface="Calibri"/>
+                <a:sym typeface="Calibri"/>
+              </a:rPr>
+              <a:t> database, assembled by scientists as a representative example of the </a:t>
+            </a:r>
+            <a:r>
+              <a:rPr lang="en-ZA" sz="1200" b="0" i="0" u="none" strike="noStrike" cap="none" dirty="0">
+                <a:solidFill>
+                  <a:schemeClr val="dk1"/>
+                </a:solidFill>
+                <a:effectLst/>
+                <a:latin typeface="Calibri"/>
+                <a:ea typeface="Calibri"/>
+                <a:cs typeface="Calibri"/>
+                <a:sym typeface="Calibri"/>
+                <a:hlinkClick r:id="rId4" tooltip="Genome"/>
+              </a:rPr>
+              <a:t>set of genes</a:t>
+            </a:r>
+            <a:r>
+              <a:rPr lang="en-ZA" sz="1200" b="0" i="0" u="none" strike="noStrike" cap="none" dirty="0">
+                <a:solidFill>
+                  <a:schemeClr val="dk1"/>
+                </a:solidFill>
+                <a:effectLst/>
+                <a:latin typeface="Calibri"/>
+                <a:ea typeface="Calibri"/>
+                <a:cs typeface="Calibri"/>
+                <a:sym typeface="Calibri"/>
+              </a:rPr>
+              <a:t> in one idealized individual organism of a species</a:t>
             </a:r>
           </a:p>
           <a:p>
@@ -3449,7 +3511,7 @@
                 <a:ea typeface="Calibri"/>
                 <a:cs typeface="Calibri"/>
                 <a:sym typeface="Calibri"/>
-                <a:hlinkClick r:id="rId3" tooltip="Ensembl"/>
+                <a:hlinkClick r:id="rId5" tooltip="Ensembl"/>
               </a:rPr>
               <a:t>Ensembl</a:t>
             </a:r>
@@ -3476,7 +3538,7 @@
                 <a:ea typeface="Calibri"/>
                 <a:cs typeface="Calibri"/>
                 <a:sym typeface="Calibri"/>
-                <a:hlinkClick r:id="rId4" tooltip="UCSC Genome Browser"/>
+                <a:hlinkClick r:id="rId6" tooltip="UCSC Genome Browser"/>
               </a:rPr>
               <a:t>UCSC Genome Browser</a:t>
             </a:r>
@@ -3503,7 +3565,7 @@
                 <a:ea typeface="Calibri"/>
                 <a:cs typeface="Calibri"/>
                 <a:sym typeface="Calibri"/>
-                <a:hlinkClick r:id="rId5"/>
+                <a:hlinkClick r:id="rId7"/>
               </a:rPr>
               <a:t>[8]</a:t>
             </a:r>
@@ -18538,8 +18600,8 @@
         </p:blipFill>
         <p:spPr>
           <a:xfrm>
-            <a:off x="491473" y="640080"/>
-            <a:ext cx="11343165" cy="7736474"/>
+            <a:off x="0" y="0"/>
+            <a:ext cx="12529921" cy="8545887"/>
           </a:xfrm>
           <a:prstGeom prst="rect">
             <a:avLst/>
@@ -18566,7 +18628,7 @@
         </p:nvCxnSpPr>
         <p:spPr>
           <a:xfrm>
-            <a:off x="6163055" y="1825625"/>
+            <a:off x="6484788" y="1520825"/>
             <a:ext cx="0" cy="1429004"/>
           </a:xfrm>
           <a:prstGeom prst="straightConnector1">
@@ -18605,7 +18667,7 @@
         </p:nvSpPr>
         <p:spPr>
           <a:xfrm>
-            <a:off x="4558463" y="927159"/>
+            <a:off x="4880196" y="520495"/>
             <a:ext cx="3209183" cy="830997"/>
           </a:xfrm>
           <a:prstGeom prst="rect">

--- a/ppt/Lecture2_wk4Semester_mapping.pptx
+++ b/ppt/Lecture2_wk4Semester_mapping.pptx
@@ -2276,6 +2276,45 @@
               </a:spcAft>
               <a:buNone/>
             </a:pPr>
+            <a:r>
+              <a:rPr lang="en-US" dirty="0"/>
+              <a:t>Alignment section of .</a:t>
+            </a:r>
+            <a:r>
+              <a:rPr lang="en-US" dirty="0" err="1"/>
+              <a:t>sam</a:t>
+            </a:r>
+            <a:r>
+              <a:rPr lang="en-US" dirty="0"/>
+              <a:t> </a:t>
+            </a:r>
+          </a:p>
+          <a:p>
+            <a:pPr marL="0" lvl="0" indent="0" algn="l" rtl="0">
+              <a:spcBef>
+                <a:spcPts val="0"/>
+              </a:spcBef>
+              <a:spcAft>
+                <a:spcPts val="0"/>
+              </a:spcAft>
+              <a:buNone/>
+            </a:pPr>
+            <a:endParaRPr lang="en-US" dirty="0"/>
+          </a:p>
+          <a:p>
+            <a:pPr marL="0" lvl="0" indent="0" algn="l" rtl="0">
+              <a:spcBef>
+                <a:spcPts val="0"/>
+              </a:spcBef>
+              <a:spcAft>
+                <a:spcPts val="0"/>
+              </a:spcAft>
+              <a:buNone/>
+            </a:pPr>
+            <a:r>
+              <a:rPr lang="en-US" dirty="0"/>
+              <a:t>Flags= mapping quality, mapping in proper pair, number of times mapped, etc. </a:t>
+            </a:r>
             <a:endParaRPr dirty="0"/>
           </a:p>
         </p:txBody>
@@ -2568,7 +2607,7 @@
               </a:spcAft>
               <a:buNone/>
             </a:pPr>
-            <a:endParaRPr/>
+            <a:endParaRPr dirty="0"/>
           </a:p>
         </p:txBody>
       </p:sp>
@@ -2670,6 +2709,30 @@
               <a:t>Now we will be starting with actual NGS data from this paper- which we have pruned down so that we get fast run times </a:t>
             </a:r>
           </a:p>
+          <a:p>
+            <a:endParaRPr lang="en-US" dirty="0"/>
+          </a:p>
+          <a:p>
+            <a:r>
+              <a:rPr lang="en-US" dirty="0"/>
+              <a:t>Are there different populations?</a:t>
+            </a:r>
+          </a:p>
+          <a:p>
+            <a:r>
+              <a:rPr lang="en-US" dirty="0"/>
+              <a:t>If so, is one population better suited to be grown in warmer conditions?</a:t>
+            </a:r>
+          </a:p>
+          <a:p>
+            <a:r>
+              <a:rPr lang="en-US" dirty="0"/>
+              <a:t>Which genes will lead to suitable growth traits?</a:t>
+            </a:r>
+          </a:p>
+          <a:p>
+            <a:endParaRPr lang="en-US" dirty="0"/>
+          </a:p>
         </p:txBody>
       </p:sp>
       <p:sp>
@@ -2759,202 +2822,6 @@
               </a:spcAft>
               <a:buNone/>
             </a:pPr>
-            <a:r>
-              <a:rPr lang="en-US" dirty="0"/>
-              <a:t>Ref genome / </a:t>
-            </a:r>
-            <a:r>
-              <a:rPr lang="en-ZA" sz="1200" b="1" i="0" u="none" strike="noStrike" cap="none" dirty="0">
-                <a:solidFill>
-                  <a:schemeClr val="dk1"/>
-                </a:solidFill>
-                <a:effectLst/>
-                <a:latin typeface="Calibri"/>
-                <a:ea typeface="Calibri"/>
-                <a:cs typeface="Calibri"/>
-                <a:sym typeface="Calibri"/>
-              </a:rPr>
-              <a:t>reference assembly = </a:t>
-            </a:r>
-            <a:r>
-              <a:rPr lang="en-ZA" sz="1200" b="0" i="0" u="none" strike="noStrike" cap="none" dirty="0">
-                <a:solidFill>
-                  <a:schemeClr val="dk1"/>
-                </a:solidFill>
-                <a:effectLst/>
-                <a:latin typeface="Calibri"/>
-                <a:ea typeface="Calibri"/>
-                <a:cs typeface="Calibri"/>
-                <a:sym typeface="Calibri"/>
-              </a:rPr>
-              <a:t>a digital </a:t>
-            </a:r>
-            <a:r>
-              <a:rPr lang="en-ZA" sz="1200" b="0" i="0" u="none" strike="noStrike" cap="none" dirty="0">
-                <a:solidFill>
-                  <a:schemeClr val="dk1"/>
-                </a:solidFill>
-                <a:effectLst/>
-                <a:latin typeface="Calibri"/>
-                <a:ea typeface="Calibri"/>
-                <a:cs typeface="Calibri"/>
-                <a:sym typeface="Calibri"/>
-                <a:hlinkClick r:id="rId3" tooltip="Nucleic acid sequence"/>
-              </a:rPr>
-              <a:t>nucleic acid sequence</a:t>
-            </a:r>
-            <a:r>
-              <a:rPr lang="en-ZA" sz="1200" b="0" i="0" u="none" strike="noStrike" cap="none" dirty="0">
-                <a:solidFill>
-                  <a:schemeClr val="dk1"/>
-                </a:solidFill>
-                <a:effectLst/>
-                <a:latin typeface="Calibri"/>
-                <a:ea typeface="Calibri"/>
-                <a:cs typeface="Calibri"/>
-                <a:sym typeface="Calibri"/>
-              </a:rPr>
-              <a:t> database, assembled by scientists as a representative example of the </a:t>
-            </a:r>
-            <a:r>
-              <a:rPr lang="en-ZA" sz="1200" b="0" i="0" u="none" strike="noStrike" cap="none" dirty="0">
-                <a:solidFill>
-                  <a:schemeClr val="dk1"/>
-                </a:solidFill>
-                <a:effectLst/>
-                <a:latin typeface="Calibri"/>
-                <a:ea typeface="Calibri"/>
-                <a:cs typeface="Calibri"/>
-                <a:sym typeface="Calibri"/>
-                <a:hlinkClick r:id="rId4" tooltip="Genome"/>
-              </a:rPr>
-              <a:t>set of genes</a:t>
-            </a:r>
-            <a:r>
-              <a:rPr lang="en-ZA" sz="1200" b="0" i="0" u="none" strike="noStrike" cap="none" dirty="0">
-                <a:solidFill>
-                  <a:schemeClr val="dk1"/>
-                </a:solidFill>
-                <a:effectLst/>
-                <a:latin typeface="Calibri"/>
-                <a:ea typeface="Calibri"/>
-                <a:cs typeface="Calibri"/>
-                <a:sym typeface="Calibri"/>
-              </a:rPr>
-              <a:t> in one idealized individual organism of a species</a:t>
-            </a:r>
-          </a:p>
-          <a:p>
-            <a:pPr marL="0" lvl="0" indent="0" algn="l" rtl="0">
-              <a:spcBef>
-                <a:spcPts val="0"/>
-              </a:spcBef>
-              <a:spcAft>
-                <a:spcPts val="0"/>
-              </a:spcAft>
-              <a:buNone/>
-            </a:pPr>
-            <a:endParaRPr lang="en-ZA" sz="1200" b="0" i="0" u="none" strike="noStrike" cap="none" dirty="0">
-              <a:solidFill>
-                <a:schemeClr val="dk1"/>
-              </a:solidFill>
-              <a:effectLst/>
-              <a:latin typeface="Calibri"/>
-              <a:cs typeface="Calibri"/>
-              <a:sym typeface="Calibri"/>
-            </a:endParaRPr>
-          </a:p>
-          <a:p>
-            <a:pPr marL="0" lvl="0" indent="0" algn="l" rtl="0">
-              <a:spcBef>
-                <a:spcPts val="0"/>
-              </a:spcBef>
-              <a:spcAft>
-                <a:spcPts val="0"/>
-              </a:spcAft>
-              <a:buNone/>
-            </a:pPr>
-            <a:r>
-              <a:rPr lang="en-ZA" sz="1200" b="0" i="0" u="none" strike="noStrike" cap="none" dirty="0">
-                <a:solidFill>
-                  <a:schemeClr val="dk1"/>
-                </a:solidFill>
-                <a:effectLst/>
-                <a:latin typeface="Calibri"/>
-                <a:ea typeface="Calibri"/>
-                <a:cs typeface="Calibri"/>
-                <a:sym typeface="Calibri"/>
-              </a:rPr>
-              <a:t>Reference genomes can be accessed online at several locations, using dedicated browsers such as </a:t>
-            </a:r>
-            <a:r>
-              <a:rPr lang="en-ZA" sz="1200" b="0" i="0" u="none" strike="noStrike" cap="none" dirty="0">
-                <a:solidFill>
-                  <a:schemeClr val="dk1"/>
-                </a:solidFill>
-                <a:effectLst/>
-                <a:latin typeface="Calibri"/>
-                <a:ea typeface="Calibri"/>
-                <a:cs typeface="Calibri"/>
-                <a:sym typeface="Calibri"/>
-                <a:hlinkClick r:id="rId5" tooltip="Ensembl"/>
-              </a:rPr>
-              <a:t>Ensembl</a:t>
-            </a:r>
-            <a:r>
-              <a:rPr lang="en-ZA" sz="1200" b="0" i="0" u="none" strike="noStrike" cap="none" dirty="0">
-                <a:solidFill>
-                  <a:schemeClr val="dk1"/>
-                </a:solidFill>
-                <a:effectLst/>
-                <a:latin typeface="Calibri"/>
-                <a:ea typeface="Calibri"/>
-                <a:cs typeface="Calibri"/>
-                <a:sym typeface="Calibri"/>
-              </a:rPr>
-              <a:t> or </a:t>
-            </a:r>
-            <a:r>
-              <a:rPr lang="en-ZA" sz="1200" b="0" i="0" u="none" strike="noStrike" cap="none" dirty="0">
-                <a:solidFill>
-                  <a:schemeClr val="dk1"/>
-                </a:solidFill>
-                <a:effectLst/>
-                <a:latin typeface="Calibri"/>
-                <a:ea typeface="Calibri"/>
-                <a:cs typeface="Calibri"/>
-                <a:sym typeface="Calibri"/>
-                <a:hlinkClick r:id="rId6" tooltip="UCSC Genome Browser"/>
-              </a:rPr>
-              <a:t>UCSC Genome Browser</a:t>
-            </a:r>
-            <a:r>
-              <a:rPr lang="en-ZA" sz="1200" b="0" i="0" u="none" strike="noStrike" cap="none" dirty="0">
-                <a:solidFill>
-                  <a:schemeClr val="dk1"/>
-                </a:solidFill>
-                <a:effectLst/>
-                <a:latin typeface="Calibri"/>
-                <a:ea typeface="Calibri"/>
-                <a:cs typeface="Calibri"/>
-                <a:sym typeface="Calibri"/>
-              </a:rPr>
-              <a:t>.</a:t>
-            </a:r>
-            <a:r>
-              <a:rPr lang="en-ZA" sz="1200" b="0" i="0" u="none" strike="noStrike" cap="none" baseline="30000" dirty="0">
-                <a:solidFill>
-                  <a:schemeClr val="dk1"/>
-                </a:solidFill>
-                <a:effectLst/>
-                <a:latin typeface="Calibri"/>
-                <a:ea typeface="Calibri"/>
-                <a:cs typeface="Calibri"/>
-                <a:sym typeface="Calibri"/>
-                <a:hlinkClick r:id="rId7"/>
-              </a:rPr>
-              <a:t>[8]</a:t>
-            </a:r>
             <a:endParaRPr dirty="0"/>
           </a:p>
         </p:txBody>
@@ -3685,9 +3552,48 @@
             </a:pPr>
             <a:r>
               <a:rPr lang="en-US" dirty="0"/>
-              <a:t>Can also assemble genotype</a:t>
+              <a:t>Can also assemble genotype by looking for areas of overlap</a:t>
             </a:r>
-            <a:endParaRPr dirty="0"/>
+          </a:p>
+          <a:p>
+            <a:pPr marL="0" lvl="0" indent="0" algn="l" rtl="0">
+              <a:spcBef>
+                <a:spcPts val="0"/>
+              </a:spcBef>
+              <a:spcAft>
+                <a:spcPts val="0"/>
+              </a:spcAft>
+              <a:buNone/>
+            </a:pPr>
+            <a:endParaRPr lang="en-US" dirty="0"/>
+          </a:p>
+          <a:p>
+            <a:pPr marL="0" lvl="0" indent="0" algn="l" rtl="0">
+              <a:spcBef>
+                <a:spcPts val="0"/>
+              </a:spcBef>
+              <a:spcAft>
+                <a:spcPts val="0"/>
+              </a:spcAft>
+              <a:buNone/>
+            </a:pPr>
+            <a:r>
+              <a:rPr lang="en-US" dirty="0"/>
+              <a:t>Here overlap will be greater with more coverage – these sequences can be copies of one </a:t>
+            </a:r>
+            <a:r>
+              <a:rPr lang="en-US" dirty="0" err="1"/>
+              <a:t>individ</a:t>
+            </a:r>
+            <a:r>
+              <a:rPr lang="en-US" dirty="0"/>
+              <a:t>, or diff </a:t>
+            </a:r>
+            <a:r>
+              <a:rPr lang="en-US" dirty="0" err="1"/>
+              <a:t>individs</a:t>
+            </a:r>
+            <a:endParaRPr lang="en-US" dirty="0"/>
           </a:p>
         </p:txBody>
       </p:sp>
@@ -16098,7 +16004,7 @@
               <a:buNone/>
             </a:pPr>
             <a:r>
-              <a:rPr lang="en-US" sz="1800">
+              <a:rPr lang="en-US" sz="1800" dirty="0">
                 <a:solidFill>
                   <a:schemeClr val="dk1"/>
                 </a:solidFill>
@@ -16107,9 +16013,33 @@
                 <a:cs typeface="Calibri"/>
                 <a:sym typeface="Calibri"/>
               </a:rPr>
-              <a:t>Tail of .sam file</a:t>
+              <a:t>Tail of .</a:t>
             </a:r>
-            <a:endParaRPr/>
+            <a:r>
+              <a:rPr lang="en-US" sz="1800" dirty="0" err="1">
+                <a:solidFill>
+                  <a:schemeClr val="dk1"/>
+                </a:solidFill>
+                <a:latin typeface="Calibri"/>
+                <a:ea typeface="Calibri"/>
+                <a:cs typeface="Calibri"/>
+                <a:sym typeface="Calibri"/>
+              </a:rPr>
+              <a:t>sam</a:t>
+            </a:r>
+            <a:r>
+              <a:rPr lang="en-US" sz="1800" dirty="0">
+                <a:solidFill>
+                  <a:schemeClr val="dk1"/>
+                </a:solidFill>
+                <a:latin typeface="Calibri"/>
+                <a:ea typeface="Calibri"/>
+                <a:cs typeface="Calibri"/>
+                <a:sym typeface="Calibri"/>
+              </a:rPr>
+              <a:t> file</a:t>
+            </a:r>
+            <a:endParaRPr dirty="0"/>
           </a:p>
         </p:txBody>
       </p:sp>
@@ -17871,7 +17801,7 @@
             </a:pPr>
             <a:r>
               <a:rPr lang="en-US" dirty="0"/>
-              <a:t>Two main ways to estimate a genotype</a:t>
+              <a:t>Two main ways to estimate a genotype:</a:t>
             </a:r>
             <a:endParaRPr dirty="0"/>
           </a:p>
@@ -17913,7 +17843,7 @@
             </a:pPr>
             <a:r>
               <a:rPr lang="en-US" dirty="0"/>
-              <a:t>Hard genotype calling versus genotype likelihoods</a:t>
+              <a:t>Hard genotype calling vs. genotype likelihoods</a:t>
             </a:r>
             <a:endParaRPr dirty="0"/>
           </a:p>
@@ -19687,10 +19617,10 @@
               <a:buNone/>
             </a:pPr>
             <a:r>
-              <a:rPr lang="en-US" sz="3700"/>
+              <a:rPr lang="en-US" sz="3700" dirty="0"/>
               <a:t>Genomes are continually being improved</a:t>
             </a:r>
-            <a:endParaRPr/>
+            <a:endParaRPr dirty="0"/>
           </a:p>
         </p:txBody>
       </p:sp>
@@ -19706,7 +19636,7 @@
         </p:nvSpPr>
         <p:spPr>
           <a:xfrm>
-            <a:off x="648931" y="3169085"/>
+            <a:off x="648931" y="2816878"/>
             <a:ext cx="3505493" cy="3054734"/>
           </a:xfrm>
           <a:prstGeom prst="rect">
@@ -19740,18 +19670,17 @@
               <a:buChar char="•"/>
             </a:pPr>
             <a:r>
-              <a:rPr lang="en-US" sz="2000"/>
+              <a:rPr lang="en-US" sz="2000" dirty="0"/>
               <a:t>More genomes are being sequenced all the time</a:t>
             </a:r>
-            <a:endParaRPr/>
-          </a:p>
-          <a:p>
-            <a:pPr marL="228600" lvl="0" indent="-101600" algn="l" rtl="0">
+          </a:p>
+          <a:p>
+            <a:pPr marL="228600" lvl="0" indent="-228600" algn="l" rtl="0">
               <a:lnSpc>
                 <a:spcPct val="90000"/>
               </a:lnSpc>
               <a:spcBef>
-                <a:spcPts val="1000"/>
+                <a:spcPts val="0"/>
               </a:spcBef>
               <a:spcAft>
                 <a:spcPts val="0"/>
@@ -19760,9 +19689,9 @@
                 <a:schemeClr val="dk1"/>
               </a:buClr>
               <a:buSzPts val="2000"/>
-              <a:buNone/>
+              <a:buChar char="•"/>
             </a:pPr>
-            <a:endParaRPr sz="2000"/>
+            <a:endParaRPr sz="2000" dirty="0"/>
           </a:p>
           <a:p>
             <a:pPr marL="228600" lvl="0" indent="-228600" algn="l" rtl="0">
@@ -19782,10 +19711,10 @@
               <a:buChar char="•"/>
             </a:pPr>
             <a:r>
-              <a:rPr lang="en-US" sz="2000"/>
+              <a:rPr lang="en-US" sz="2000" dirty="0"/>
               <a:t>Many marine organisms don’t yet have a genome sequence available</a:t>
             </a:r>
-            <a:endParaRPr/>
+            <a:endParaRPr dirty="0"/>
           </a:p>
         </p:txBody>
       </p:sp>
@@ -19925,6 +19854,66 @@
           <a:ln>
             <a:noFill/>
           </a:ln>
+        </p:spPr>
+      </p:pic>
+      <p:pic>
+        <p:nvPicPr>
+          <p:cNvPr id="3" name="Picture 2">
+            <a:extLst>
+              <a:ext uri="{FF2B5EF4-FFF2-40B4-BE49-F238E27FC236}">
+                <a16:creationId xmlns:a16="http://schemas.microsoft.com/office/drawing/2014/main" id="{2A07DAA5-06F2-BA48-A08D-EB0CA27B4768}"/>
+              </a:ext>
+            </a:extLst>
+          </p:cNvPr>
+          <p:cNvPicPr>
+            <a:picLocks noChangeAspect="1"/>
+          </p:cNvPicPr>
+          <p:nvPr/>
+        </p:nvPicPr>
+        <p:blipFill>
+          <a:blip r:embed="rId4"/>
+          <a:stretch>
+            <a:fillRect/>
+          </a:stretch>
+        </p:blipFill>
+        <p:spPr>
+          <a:xfrm>
+            <a:off x="516467" y="5948417"/>
+            <a:ext cx="3505200" cy="571500"/>
+          </a:xfrm>
+          <a:prstGeom prst="rect">
+            <a:avLst/>
+          </a:prstGeom>
+        </p:spPr>
+      </p:pic>
+      <p:pic>
+        <p:nvPicPr>
+          <p:cNvPr id="5" name="Picture 4">
+            <a:extLst>
+              <a:ext uri="{FF2B5EF4-FFF2-40B4-BE49-F238E27FC236}">
+                <a16:creationId xmlns:a16="http://schemas.microsoft.com/office/drawing/2014/main" id="{371F407B-6003-6440-B2CA-991CE04E68A9}"/>
+              </a:ext>
+            </a:extLst>
+          </p:cNvPr>
+          <p:cNvPicPr>
+            <a:picLocks noChangeAspect="1"/>
+          </p:cNvPicPr>
+          <p:nvPr/>
+        </p:nvPicPr>
+        <p:blipFill>
+          <a:blip r:embed="rId5"/>
+          <a:stretch>
+            <a:fillRect/>
+          </a:stretch>
+        </p:blipFill>
+        <p:spPr>
+          <a:xfrm>
+            <a:off x="1181364" y="4868312"/>
+            <a:ext cx="2006600" cy="1003300"/>
+          </a:xfrm>
+          <a:prstGeom prst="rect">
+            <a:avLst/>
+          </a:prstGeom>
         </p:spPr>
       </p:pic>
     </p:spTree>
